--- a/Презентация.pptx
+++ b/Презентация.pptx
@@ -307,7 +307,7 @@
           <a:p>
             <a:fld id="{9844A19E-A1EC-4A42-9567-A4E79915E1D7}" type="datetimeFigureOut">
               <a:rPr lang="en-UA" smtClean="0"/>
-              <a:t>09/09/2023</a:t>
+              <a:t>09/10/2023</a:t>
             </a:fld>
             <a:endParaRPr lang="en-UA"/>
           </a:p>
@@ -507,7 +507,7 @@
           <a:p>
             <a:fld id="{9844A19E-A1EC-4A42-9567-A4E79915E1D7}" type="datetimeFigureOut">
               <a:rPr lang="en-UA" smtClean="0"/>
-              <a:t>09/09/2023</a:t>
+              <a:t>09/10/2023</a:t>
             </a:fld>
             <a:endParaRPr lang="en-UA"/>
           </a:p>
@@ -717,7 +717,7 @@
           <a:p>
             <a:fld id="{9844A19E-A1EC-4A42-9567-A4E79915E1D7}" type="datetimeFigureOut">
               <a:rPr lang="en-UA" smtClean="0"/>
-              <a:t>09/09/2023</a:t>
+              <a:t>09/10/2023</a:t>
             </a:fld>
             <a:endParaRPr lang="en-UA"/>
           </a:p>
@@ -917,7 +917,7 @@
           <a:p>
             <a:fld id="{9844A19E-A1EC-4A42-9567-A4E79915E1D7}" type="datetimeFigureOut">
               <a:rPr lang="en-UA" smtClean="0"/>
-              <a:t>09/09/2023</a:t>
+              <a:t>09/10/2023</a:t>
             </a:fld>
             <a:endParaRPr lang="en-UA"/>
           </a:p>
@@ -1193,7 +1193,7 @@
           <a:p>
             <a:fld id="{9844A19E-A1EC-4A42-9567-A4E79915E1D7}" type="datetimeFigureOut">
               <a:rPr lang="en-UA" smtClean="0"/>
-              <a:t>09/09/2023</a:t>
+              <a:t>09/10/2023</a:t>
             </a:fld>
             <a:endParaRPr lang="en-UA"/>
           </a:p>
@@ -1461,7 +1461,7 @@
           <a:p>
             <a:fld id="{9844A19E-A1EC-4A42-9567-A4E79915E1D7}" type="datetimeFigureOut">
               <a:rPr lang="en-UA" smtClean="0"/>
-              <a:t>09/09/2023</a:t>
+              <a:t>09/10/2023</a:t>
             </a:fld>
             <a:endParaRPr lang="en-UA"/>
           </a:p>
@@ -1876,7 +1876,7 @@
           <a:p>
             <a:fld id="{9844A19E-A1EC-4A42-9567-A4E79915E1D7}" type="datetimeFigureOut">
               <a:rPr lang="en-UA" smtClean="0"/>
-              <a:t>09/09/2023</a:t>
+              <a:t>09/10/2023</a:t>
             </a:fld>
             <a:endParaRPr lang="en-UA"/>
           </a:p>
@@ -2018,7 +2018,7 @@
           <a:p>
             <a:fld id="{9844A19E-A1EC-4A42-9567-A4E79915E1D7}" type="datetimeFigureOut">
               <a:rPr lang="en-UA" smtClean="0"/>
-              <a:t>09/09/2023</a:t>
+              <a:t>09/10/2023</a:t>
             </a:fld>
             <a:endParaRPr lang="en-UA"/>
           </a:p>
@@ -2131,7 +2131,7 @@
           <a:p>
             <a:fld id="{9844A19E-A1EC-4A42-9567-A4E79915E1D7}" type="datetimeFigureOut">
               <a:rPr lang="en-UA" smtClean="0"/>
-              <a:t>09/09/2023</a:t>
+              <a:t>09/10/2023</a:t>
             </a:fld>
             <a:endParaRPr lang="en-UA"/>
           </a:p>
@@ -2444,7 +2444,7 @@
           <a:p>
             <a:fld id="{9844A19E-A1EC-4A42-9567-A4E79915E1D7}" type="datetimeFigureOut">
               <a:rPr lang="en-UA" smtClean="0"/>
-              <a:t>09/09/2023</a:t>
+              <a:t>09/10/2023</a:t>
             </a:fld>
             <a:endParaRPr lang="en-UA"/>
           </a:p>
@@ -2733,7 +2733,7 @@
           <a:p>
             <a:fld id="{9844A19E-A1EC-4A42-9567-A4E79915E1D7}" type="datetimeFigureOut">
               <a:rPr lang="en-UA" smtClean="0"/>
-              <a:t>09/09/2023</a:t>
+              <a:t>09/10/2023</a:t>
             </a:fld>
             <a:endParaRPr lang="en-UA"/>
           </a:p>
@@ -3006,7 +3006,7 @@
           <a:p>
             <a:fld id="{9844A19E-A1EC-4A42-9567-A4E79915E1D7}" type="datetimeFigureOut">
               <a:rPr lang="en-UA" smtClean="0"/>
-              <a:t>09/09/2023</a:t>
+              <a:t>09/10/2023</a:t>
             </a:fld>
             <a:endParaRPr lang="en-UA"/>
           </a:p>
@@ -3598,13 +3598,13 @@
         </p:nvSpPr>
         <p:spPr>
           <a:xfrm>
-            <a:off x="2552329" y="2059196"/>
-            <a:ext cx="6867618" cy="779463"/>
+            <a:off x="1904259" y="2198275"/>
+            <a:ext cx="7701380" cy="1412941"/>
           </a:xfrm>
         </p:spPr>
         <p:txBody>
           <a:bodyPr>
-            <a:normAutofit fontScale="92500"/>
+            <a:normAutofit/>
           </a:bodyPr>
           <a:lstStyle/>
           <a:p>
@@ -3627,7 +3627,7 @@
             <a:pPr marL="0" indent="0" algn="ctr">
               <a:buNone/>
             </a:pPr>
-            <a:endParaRPr lang="ru-RU" sz="5400" b="0" i="0" dirty="0">
+            <a:endParaRPr lang="ru-RU" sz="4800" b="0" i="0" dirty="0">
               <a:solidFill>
                 <a:srgbClr val="000000"/>
               </a:solidFill>
@@ -3654,7 +3654,7 @@
         </p:nvSpPr>
         <p:spPr>
           <a:xfrm>
-            <a:off x="-127987" y="5110809"/>
+            <a:off x="-127988" y="5578002"/>
             <a:ext cx="12228251" cy="1565200"/>
           </a:xfrm>
           <a:prstGeom prst="rect">
@@ -3846,9 +3846,9 @@
             </a:r>
           </a:p>
           <a:p>
-            <a:pPr algn="r"/>
-            <a:r>
-              <a:rPr lang="ru-RU" sz="4400" dirty="0">
+            <a:pPr lvl="8" algn="r"/>
+            <a:r>
+              <a:rPr lang="ru-RU" sz="3400" dirty="0">
                 <a:solidFill>
                   <a:srgbClr val="000000"/>
                 </a:solidFill>
@@ -3895,7 +3895,7 @@
         </p:blipFill>
         <p:spPr>
           <a:xfrm>
-            <a:off x="7904084" y="2749118"/>
+            <a:off x="7904083" y="3037554"/>
             <a:ext cx="4196180" cy="2540448"/>
           </a:xfrm>
           <a:prstGeom prst="rect">
@@ -7523,6 +7523,251 @@
           </a:p>
         </p:txBody>
       </p:sp>
+      <p:sp>
+        <p:nvSpPr>
+          <p:cNvPr id="3" name="Объект 2">
+            <a:extLst>
+              <a:ext uri="{FF2B5EF4-FFF2-40B4-BE49-F238E27FC236}">
+                <a16:creationId xmlns:a16="http://schemas.microsoft.com/office/drawing/2014/main" id="{5B69D9E3-9A5A-4567-AFC9-2F38C1509AD0}"/>
+              </a:ext>
+            </a:extLst>
+          </p:cNvPr>
+          <p:cNvSpPr txBox="1">
+            <a:spLocks/>
+          </p:cNvSpPr>
+          <p:nvPr/>
+        </p:nvSpPr>
+        <p:spPr>
+          <a:xfrm>
+            <a:off x="562989" y="2941033"/>
+            <a:ext cx="10924713" cy="2589755"/>
+          </a:xfrm>
+          <a:prstGeom prst="rect">
+            <a:avLst/>
+          </a:prstGeom>
+        </p:spPr>
+        <p:txBody>
+          <a:bodyPr vert="horz" lIns="91440" tIns="45720" rIns="91440" bIns="45720" rtlCol="0">
+            <a:normAutofit/>
+          </a:bodyPr>
+          <a:lstStyle>
+            <a:lvl1pPr marL="228600" indent="-228600" algn="l" defTabSz="914400" rtl="0" eaLnBrk="1" latinLnBrk="0" hangingPunct="1">
+              <a:lnSpc>
+                <a:spcPct val="90000"/>
+              </a:lnSpc>
+              <a:spcBef>
+                <a:spcPts val="1000"/>
+              </a:spcBef>
+              <a:buFont typeface="Arial" panose="020B0604020202020204" pitchFamily="34" charset="0"/>
+              <a:buChar char="•"/>
+              <a:defRPr sz="2800" kern="1200">
+                <a:solidFill>
+                  <a:schemeClr val="tx1"/>
+                </a:solidFill>
+                <a:latin typeface="+mn-lt"/>
+                <a:ea typeface="+mn-ea"/>
+                <a:cs typeface="+mn-cs"/>
+              </a:defRPr>
+            </a:lvl1pPr>
+            <a:lvl2pPr marL="685800" indent="-228600" algn="l" defTabSz="914400" rtl="0" eaLnBrk="1" latinLnBrk="0" hangingPunct="1">
+              <a:lnSpc>
+                <a:spcPct val="90000"/>
+              </a:lnSpc>
+              <a:spcBef>
+                <a:spcPts val="500"/>
+              </a:spcBef>
+              <a:buFont typeface="Arial" panose="020B0604020202020204" pitchFamily="34" charset="0"/>
+              <a:buChar char="•"/>
+              <a:defRPr sz="2400" kern="1200">
+                <a:solidFill>
+                  <a:schemeClr val="tx1"/>
+                </a:solidFill>
+                <a:latin typeface="+mn-lt"/>
+                <a:ea typeface="+mn-ea"/>
+                <a:cs typeface="+mn-cs"/>
+              </a:defRPr>
+            </a:lvl2pPr>
+            <a:lvl3pPr marL="1143000" indent="-228600" algn="l" defTabSz="914400" rtl="0" eaLnBrk="1" latinLnBrk="0" hangingPunct="1">
+              <a:lnSpc>
+                <a:spcPct val="90000"/>
+              </a:lnSpc>
+              <a:spcBef>
+                <a:spcPts val="500"/>
+              </a:spcBef>
+              <a:buFont typeface="Arial" panose="020B0604020202020204" pitchFamily="34" charset="0"/>
+              <a:buChar char="•"/>
+              <a:defRPr sz="2000" kern="1200">
+                <a:solidFill>
+                  <a:schemeClr val="tx1"/>
+                </a:solidFill>
+                <a:latin typeface="+mn-lt"/>
+                <a:ea typeface="+mn-ea"/>
+                <a:cs typeface="+mn-cs"/>
+              </a:defRPr>
+            </a:lvl3pPr>
+            <a:lvl4pPr marL="1600200" indent="-228600" algn="l" defTabSz="914400" rtl="0" eaLnBrk="1" latinLnBrk="0" hangingPunct="1">
+              <a:lnSpc>
+                <a:spcPct val="90000"/>
+              </a:lnSpc>
+              <a:spcBef>
+                <a:spcPts val="500"/>
+              </a:spcBef>
+              <a:buFont typeface="Arial" panose="020B0604020202020204" pitchFamily="34" charset="0"/>
+              <a:buChar char="•"/>
+              <a:defRPr sz="1800" kern="1200">
+                <a:solidFill>
+                  <a:schemeClr val="tx1"/>
+                </a:solidFill>
+                <a:latin typeface="+mn-lt"/>
+                <a:ea typeface="+mn-ea"/>
+                <a:cs typeface="+mn-cs"/>
+              </a:defRPr>
+            </a:lvl4pPr>
+            <a:lvl5pPr marL="2057400" indent="-228600" algn="l" defTabSz="914400" rtl="0" eaLnBrk="1" latinLnBrk="0" hangingPunct="1">
+              <a:lnSpc>
+                <a:spcPct val="90000"/>
+              </a:lnSpc>
+              <a:spcBef>
+                <a:spcPts val="500"/>
+              </a:spcBef>
+              <a:buFont typeface="Arial" panose="020B0604020202020204" pitchFamily="34" charset="0"/>
+              <a:buChar char="•"/>
+              <a:defRPr sz="1800" kern="1200">
+                <a:solidFill>
+                  <a:schemeClr val="tx1"/>
+                </a:solidFill>
+                <a:latin typeface="+mn-lt"/>
+                <a:ea typeface="+mn-ea"/>
+                <a:cs typeface="+mn-cs"/>
+              </a:defRPr>
+            </a:lvl5pPr>
+            <a:lvl6pPr marL="2514600" indent="-228600" algn="l" defTabSz="914400" rtl="0" eaLnBrk="1" latinLnBrk="0" hangingPunct="1">
+              <a:lnSpc>
+                <a:spcPct val="90000"/>
+              </a:lnSpc>
+              <a:spcBef>
+                <a:spcPts val="500"/>
+              </a:spcBef>
+              <a:buFont typeface="Arial" panose="020B0604020202020204" pitchFamily="34" charset="0"/>
+              <a:buChar char="•"/>
+              <a:defRPr sz="1800" kern="1200">
+                <a:solidFill>
+                  <a:schemeClr val="tx1"/>
+                </a:solidFill>
+                <a:latin typeface="+mn-lt"/>
+                <a:ea typeface="+mn-ea"/>
+                <a:cs typeface="+mn-cs"/>
+              </a:defRPr>
+            </a:lvl6pPr>
+            <a:lvl7pPr marL="2971800" indent="-228600" algn="l" defTabSz="914400" rtl="0" eaLnBrk="1" latinLnBrk="0" hangingPunct="1">
+              <a:lnSpc>
+                <a:spcPct val="90000"/>
+              </a:lnSpc>
+              <a:spcBef>
+                <a:spcPts val="500"/>
+              </a:spcBef>
+              <a:buFont typeface="Arial" panose="020B0604020202020204" pitchFamily="34" charset="0"/>
+              <a:buChar char="•"/>
+              <a:defRPr sz="1800" kern="1200">
+                <a:solidFill>
+                  <a:schemeClr val="tx1"/>
+                </a:solidFill>
+                <a:latin typeface="+mn-lt"/>
+                <a:ea typeface="+mn-ea"/>
+                <a:cs typeface="+mn-cs"/>
+              </a:defRPr>
+            </a:lvl7pPr>
+            <a:lvl8pPr marL="3429000" indent="-228600" algn="l" defTabSz="914400" rtl="0" eaLnBrk="1" latinLnBrk="0" hangingPunct="1">
+              <a:lnSpc>
+                <a:spcPct val="90000"/>
+              </a:lnSpc>
+              <a:spcBef>
+                <a:spcPts val="500"/>
+              </a:spcBef>
+              <a:buFont typeface="Arial" panose="020B0604020202020204" pitchFamily="34" charset="0"/>
+              <a:buChar char="•"/>
+              <a:defRPr sz="1800" kern="1200">
+                <a:solidFill>
+                  <a:schemeClr val="tx1"/>
+                </a:solidFill>
+                <a:latin typeface="+mn-lt"/>
+                <a:ea typeface="+mn-ea"/>
+                <a:cs typeface="+mn-cs"/>
+              </a:defRPr>
+            </a:lvl8pPr>
+            <a:lvl9pPr marL="3886200" indent="-228600" algn="l" defTabSz="914400" rtl="0" eaLnBrk="1" latinLnBrk="0" hangingPunct="1">
+              <a:lnSpc>
+                <a:spcPct val="90000"/>
+              </a:lnSpc>
+              <a:spcBef>
+                <a:spcPts val="500"/>
+              </a:spcBef>
+              <a:buFont typeface="Arial" panose="020B0604020202020204" pitchFamily="34" charset="0"/>
+              <a:buChar char="•"/>
+              <a:defRPr sz="1800" kern="1200">
+                <a:solidFill>
+                  <a:schemeClr val="tx1"/>
+                </a:solidFill>
+                <a:latin typeface="+mn-lt"/>
+                <a:ea typeface="+mn-ea"/>
+                <a:cs typeface="+mn-cs"/>
+              </a:defRPr>
+            </a:lvl9pPr>
+          </a:lstStyle>
+          <a:p>
+            <a:pPr marL="0" indent="0" algn="just">
+              <a:buFont typeface="Arial" panose="020B0604020202020204" pitchFamily="34" charset="0"/>
+              <a:buNone/>
+            </a:pPr>
+            <a:r>
+              <a:rPr lang="ru-RU" dirty="0">
+                <a:solidFill>
+                  <a:srgbClr val="000000"/>
+                </a:solidFill>
+                <a:latin typeface="IBM Plex Sans" panose="020B0604020202020204" pitchFamily="34" charset="0"/>
+              </a:rPr>
+              <a:t>	</a:t>
+            </a:r>
+            <a:r>
+              <a:rPr lang="ru-RU" sz="3200" dirty="0">
+                <a:solidFill>
+                  <a:srgbClr val="000000"/>
+                </a:solidFill>
+                <a:latin typeface="Arial" panose="020B0604020202020204" pitchFamily="34" charset="0"/>
+                <a:cs typeface="Arial" panose="020B0604020202020204" pitchFamily="34" charset="0"/>
+              </a:rPr>
+              <a:t>Уникальность решения заключается в том, что данное приложение является лёгким и простым. Его можно загрузить на сервер, терминал</a:t>
+            </a:r>
+            <a:r>
+              <a:rPr lang="en-US" sz="3200" dirty="0">
+                <a:solidFill>
+                  <a:srgbClr val="000000"/>
+                </a:solidFill>
+                <a:latin typeface="Arial" panose="020B0604020202020204" pitchFamily="34" charset="0"/>
+                <a:cs typeface="Arial" panose="020B0604020202020204" pitchFamily="34" charset="0"/>
+              </a:rPr>
+              <a:t> </a:t>
+            </a:r>
+            <a:r>
+              <a:rPr lang="ru-RU" sz="3200" dirty="0">
+                <a:solidFill>
+                  <a:srgbClr val="000000"/>
+                </a:solidFill>
+                <a:latin typeface="Arial" panose="020B0604020202020204" pitchFamily="34" charset="0"/>
+                <a:cs typeface="Arial" panose="020B0604020202020204" pitchFamily="34" charset="0"/>
+              </a:rPr>
+              <a:t>и привести в любое желаемое состояние.</a:t>
+            </a:r>
+            <a:endParaRPr lang="ru-RU" dirty="0">
+              <a:solidFill>
+                <a:srgbClr val="000000"/>
+              </a:solidFill>
+              <a:latin typeface="Arial" panose="020B0604020202020204" pitchFamily="34" charset="0"/>
+              <a:cs typeface="Arial" panose="020B0604020202020204" pitchFamily="34" charset="0"/>
+            </a:endParaRPr>
+          </a:p>
+        </p:txBody>
+      </p:sp>
     </p:spTree>
     <p:extLst>
       <p:ext uri="{BB962C8B-B14F-4D97-AF65-F5344CB8AC3E}">
@@ -7589,6 +7834,247 @@
               <a:t>Заключение</a:t>
             </a:r>
             <a:endParaRPr lang="en-UA" sz="5400" dirty="0">
+              <a:latin typeface="Arial" panose="020B0604020202020204" pitchFamily="34" charset="0"/>
+              <a:cs typeface="Arial" panose="020B0604020202020204" pitchFamily="34" charset="0"/>
+            </a:endParaRPr>
+          </a:p>
+        </p:txBody>
+      </p:sp>
+      <p:sp>
+        <p:nvSpPr>
+          <p:cNvPr id="5" name="Объект 2">
+            <a:extLst>
+              <a:ext uri="{FF2B5EF4-FFF2-40B4-BE49-F238E27FC236}">
+                <a16:creationId xmlns:a16="http://schemas.microsoft.com/office/drawing/2014/main" id="{8593ACB1-315C-4C3B-83D3-5EE305E7EA57}"/>
+              </a:ext>
+            </a:extLst>
+          </p:cNvPr>
+          <p:cNvSpPr txBox="1">
+            <a:spLocks/>
+          </p:cNvSpPr>
+          <p:nvPr/>
+        </p:nvSpPr>
+        <p:spPr>
+          <a:xfrm>
+            <a:off x="562988" y="1955612"/>
+            <a:ext cx="10924713" cy="4241001"/>
+          </a:xfrm>
+          <a:prstGeom prst="rect">
+            <a:avLst/>
+          </a:prstGeom>
+        </p:spPr>
+        <p:txBody>
+          <a:bodyPr vert="horz" lIns="91440" tIns="45720" rIns="91440" bIns="45720" rtlCol="0">
+            <a:normAutofit/>
+          </a:bodyPr>
+          <a:lstStyle>
+            <a:lvl1pPr marL="228600" indent="-228600" algn="l" defTabSz="914400" rtl="0" eaLnBrk="1" latinLnBrk="0" hangingPunct="1">
+              <a:lnSpc>
+                <a:spcPct val="90000"/>
+              </a:lnSpc>
+              <a:spcBef>
+                <a:spcPts val="1000"/>
+              </a:spcBef>
+              <a:buFont typeface="Arial" panose="020B0604020202020204" pitchFamily="34" charset="0"/>
+              <a:buChar char="•"/>
+              <a:defRPr sz="2800" kern="1200">
+                <a:solidFill>
+                  <a:schemeClr val="tx1"/>
+                </a:solidFill>
+                <a:latin typeface="+mn-lt"/>
+                <a:ea typeface="+mn-ea"/>
+                <a:cs typeface="+mn-cs"/>
+              </a:defRPr>
+            </a:lvl1pPr>
+            <a:lvl2pPr marL="685800" indent="-228600" algn="l" defTabSz="914400" rtl="0" eaLnBrk="1" latinLnBrk="0" hangingPunct="1">
+              <a:lnSpc>
+                <a:spcPct val="90000"/>
+              </a:lnSpc>
+              <a:spcBef>
+                <a:spcPts val="500"/>
+              </a:spcBef>
+              <a:buFont typeface="Arial" panose="020B0604020202020204" pitchFamily="34" charset="0"/>
+              <a:buChar char="•"/>
+              <a:defRPr sz="2400" kern="1200">
+                <a:solidFill>
+                  <a:schemeClr val="tx1"/>
+                </a:solidFill>
+                <a:latin typeface="+mn-lt"/>
+                <a:ea typeface="+mn-ea"/>
+                <a:cs typeface="+mn-cs"/>
+              </a:defRPr>
+            </a:lvl2pPr>
+            <a:lvl3pPr marL="1143000" indent="-228600" algn="l" defTabSz="914400" rtl="0" eaLnBrk="1" latinLnBrk="0" hangingPunct="1">
+              <a:lnSpc>
+                <a:spcPct val="90000"/>
+              </a:lnSpc>
+              <a:spcBef>
+                <a:spcPts val="500"/>
+              </a:spcBef>
+              <a:buFont typeface="Arial" panose="020B0604020202020204" pitchFamily="34" charset="0"/>
+              <a:buChar char="•"/>
+              <a:defRPr sz="2000" kern="1200">
+                <a:solidFill>
+                  <a:schemeClr val="tx1"/>
+                </a:solidFill>
+                <a:latin typeface="+mn-lt"/>
+                <a:ea typeface="+mn-ea"/>
+                <a:cs typeface="+mn-cs"/>
+              </a:defRPr>
+            </a:lvl3pPr>
+            <a:lvl4pPr marL="1600200" indent="-228600" algn="l" defTabSz="914400" rtl="0" eaLnBrk="1" latinLnBrk="0" hangingPunct="1">
+              <a:lnSpc>
+                <a:spcPct val="90000"/>
+              </a:lnSpc>
+              <a:spcBef>
+                <a:spcPts val="500"/>
+              </a:spcBef>
+              <a:buFont typeface="Arial" panose="020B0604020202020204" pitchFamily="34" charset="0"/>
+              <a:buChar char="•"/>
+              <a:defRPr sz="1800" kern="1200">
+                <a:solidFill>
+                  <a:schemeClr val="tx1"/>
+                </a:solidFill>
+                <a:latin typeface="+mn-lt"/>
+                <a:ea typeface="+mn-ea"/>
+                <a:cs typeface="+mn-cs"/>
+              </a:defRPr>
+            </a:lvl4pPr>
+            <a:lvl5pPr marL="2057400" indent="-228600" algn="l" defTabSz="914400" rtl="0" eaLnBrk="1" latinLnBrk="0" hangingPunct="1">
+              <a:lnSpc>
+                <a:spcPct val="90000"/>
+              </a:lnSpc>
+              <a:spcBef>
+                <a:spcPts val="500"/>
+              </a:spcBef>
+              <a:buFont typeface="Arial" panose="020B0604020202020204" pitchFamily="34" charset="0"/>
+              <a:buChar char="•"/>
+              <a:defRPr sz="1800" kern="1200">
+                <a:solidFill>
+                  <a:schemeClr val="tx1"/>
+                </a:solidFill>
+                <a:latin typeface="+mn-lt"/>
+                <a:ea typeface="+mn-ea"/>
+                <a:cs typeface="+mn-cs"/>
+              </a:defRPr>
+            </a:lvl5pPr>
+            <a:lvl6pPr marL="2514600" indent="-228600" algn="l" defTabSz="914400" rtl="0" eaLnBrk="1" latinLnBrk="0" hangingPunct="1">
+              <a:lnSpc>
+                <a:spcPct val="90000"/>
+              </a:lnSpc>
+              <a:spcBef>
+                <a:spcPts val="500"/>
+              </a:spcBef>
+              <a:buFont typeface="Arial" panose="020B0604020202020204" pitchFamily="34" charset="0"/>
+              <a:buChar char="•"/>
+              <a:defRPr sz="1800" kern="1200">
+                <a:solidFill>
+                  <a:schemeClr val="tx1"/>
+                </a:solidFill>
+                <a:latin typeface="+mn-lt"/>
+                <a:ea typeface="+mn-ea"/>
+                <a:cs typeface="+mn-cs"/>
+              </a:defRPr>
+            </a:lvl6pPr>
+            <a:lvl7pPr marL="2971800" indent="-228600" algn="l" defTabSz="914400" rtl="0" eaLnBrk="1" latinLnBrk="0" hangingPunct="1">
+              <a:lnSpc>
+                <a:spcPct val="90000"/>
+              </a:lnSpc>
+              <a:spcBef>
+                <a:spcPts val="500"/>
+              </a:spcBef>
+              <a:buFont typeface="Arial" panose="020B0604020202020204" pitchFamily="34" charset="0"/>
+              <a:buChar char="•"/>
+              <a:defRPr sz="1800" kern="1200">
+                <a:solidFill>
+                  <a:schemeClr val="tx1"/>
+                </a:solidFill>
+                <a:latin typeface="+mn-lt"/>
+                <a:ea typeface="+mn-ea"/>
+                <a:cs typeface="+mn-cs"/>
+              </a:defRPr>
+            </a:lvl7pPr>
+            <a:lvl8pPr marL="3429000" indent="-228600" algn="l" defTabSz="914400" rtl="0" eaLnBrk="1" latinLnBrk="0" hangingPunct="1">
+              <a:lnSpc>
+                <a:spcPct val="90000"/>
+              </a:lnSpc>
+              <a:spcBef>
+                <a:spcPts val="500"/>
+              </a:spcBef>
+              <a:buFont typeface="Arial" panose="020B0604020202020204" pitchFamily="34" charset="0"/>
+              <a:buChar char="•"/>
+              <a:defRPr sz="1800" kern="1200">
+                <a:solidFill>
+                  <a:schemeClr val="tx1"/>
+                </a:solidFill>
+                <a:latin typeface="+mn-lt"/>
+                <a:ea typeface="+mn-ea"/>
+                <a:cs typeface="+mn-cs"/>
+              </a:defRPr>
+            </a:lvl8pPr>
+            <a:lvl9pPr marL="3886200" indent="-228600" algn="l" defTabSz="914400" rtl="0" eaLnBrk="1" latinLnBrk="0" hangingPunct="1">
+              <a:lnSpc>
+                <a:spcPct val="90000"/>
+              </a:lnSpc>
+              <a:spcBef>
+                <a:spcPts val="500"/>
+              </a:spcBef>
+              <a:buFont typeface="Arial" panose="020B0604020202020204" pitchFamily="34" charset="0"/>
+              <a:buChar char="•"/>
+              <a:defRPr sz="1800" kern="1200">
+                <a:solidFill>
+                  <a:schemeClr val="tx1"/>
+                </a:solidFill>
+                <a:latin typeface="+mn-lt"/>
+                <a:ea typeface="+mn-ea"/>
+                <a:cs typeface="+mn-cs"/>
+              </a:defRPr>
+            </a:lvl9pPr>
+          </a:lstStyle>
+          <a:p>
+            <a:pPr marL="0" indent="0" algn="just">
+              <a:buFont typeface="Arial" panose="020B0604020202020204" pitchFamily="34" charset="0"/>
+              <a:buNone/>
+            </a:pPr>
+            <a:r>
+              <a:rPr lang="ru-RU" dirty="0">
+                <a:solidFill>
+                  <a:srgbClr val="000000"/>
+                </a:solidFill>
+                <a:latin typeface="IBM Plex Sans" panose="020B0604020202020204" pitchFamily="34" charset="0"/>
+              </a:rPr>
+              <a:t>	</a:t>
+            </a:r>
+            <a:r>
+              <a:rPr lang="ru-RU" sz="3200" dirty="0">
+                <a:solidFill>
+                  <a:srgbClr val="000000"/>
+                </a:solidFill>
+                <a:latin typeface="Arial" panose="020B0604020202020204" pitchFamily="34" charset="0"/>
+                <a:cs typeface="Arial" panose="020B0604020202020204" pitchFamily="34" charset="0"/>
+              </a:rPr>
+              <a:t>Сегодня крайне важно сократить время доставки грузов. Также, крайне важно соблюдать все нормы при погрузке, чтобы груз полностью сохранил своё исходное состояние.</a:t>
+            </a:r>
+          </a:p>
+          <a:p>
+            <a:pPr marL="0" indent="0" algn="just">
+              <a:buFont typeface="Arial" panose="020B0604020202020204" pitchFamily="34" charset="0"/>
+              <a:buNone/>
+            </a:pPr>
+            <a:r>
+              <a:rPr lang="ru-RU" sz="3200" dirty="0">
+                <a:solidFill>
+                  <a:srgbClr val="000000"/>
+                </a:solidFill>
+                <a:latin typeface="Arial" panose="020B0604020202020204" pitchFamily="34" charset="0"/>
+                <a:cs typeface="Arial" panose="020B0604020202020204" pitchFamily="34" charset="0"/>
+              </a:rPr>
+              <a:t>	В наше время появилось множество вариантов ускорения доставки и наша программа может стать одним из них. Но пока что она находится на начальном этапе и требует больших усилий для её развития.</a:t>
+            </a:r>
+            <a:endParaRPr lang="ru-RU" dirty="0">
+              <a:solidFill>
+                <a:srgbClr val="000000"/>
+              </a:solidFill>
               <a:latin typeface="Arial" panose="020B0604020202020204" pitchFamily="34" charset="0"/>
               <a:cs typeface="Arial" panose="020B0604020202020204" pitchFamily="34" charset="0"/>
             </a:endParaRPr>

--- a/Презентация.pptx
+++ b/Презентация.pptx
@@ -6038,7 +6038,7 @@
         <p:spPr>
           <a:xfrm>
             <a:off x="6952043" y="4365268"/>
-            <a:ext cx="3240118" cy="1249188"/>
+            <a:ext cx="3240118" cy="1544654"/>
           </a:xfrm>
           <a:prstGeom prst="rect">
             <a:avLst/>
@@ -6072,7 +6072,7 @@
                 <a:ea typeface="inpin heiti" panose="00000500000000000000" pitchFamily="2" charset="-122"/>
                 <a:sym typeface="inpin heiti" panose="00000500000000000000" pitchFamily="2" charset="-122"/>
               </a:rPr>
-              <a:t>Данный этап подразумевает под собой визуализацию подвижной состав и распределённый на нем груз.</a:t>
+              <a:t>Данный этап подразумевает под собой визуализацию подвижного состава и распределённого на нем груза.</a:t>
             </a:r>
             <a:endParaRPr lang="zh-CN" altLang="en-US" sz="1600" dirty="0">
               <a:solidFill>
@@ -6202,7 +6202,7 @@
                 <a:ea typeface="inpin heiti" panose="00000500000000000000" pitchFamily="2" charset="-122"/>
                 <a:sym typeface="inpin heiti" panose="00000500000000000000" pitchFamily="2" charset="-122"/>
               </a:rPr>
-              <a:t>Конечный этап предоставляет нам готовую схему отфильтрованные данные для дальнейшего использования</a:t>
+              <a:t>Конечный этап предоставляет нам готовую схему, отфильтрованные данные для дальнейшего использования</a:t>
             </a:r>
             <a:endParaRPr lang="zh-CN" altLang="en-US" sz="1600" dirty="0">
               <a:solidFill>
@@ -6730,7 +6730,7 @@
         </p:nvGrpSpPr>
         <p:grpSpPr>
           <a:xfrm>
-            <a:off x="8358963" y="2238589"/>
+            <a:off x="8280248" y="2275595"/>
             <a:ext cx="1049867" cy="975856"/>
             <a:chOff x="4343400" y="1854885"/>
             <a:chExt cx="457200" cy="457200"/>
@@ -6865,7 +6865,7 @@
         </p:nvSpPr>
         <p:spPr bwMode="auto">
           <a:xfrm flipH="1">
-            <a:off x="8110269" y="3250092"/>
+            <a:off x="8031553" y="3287098"/>
             <a:ext cx="1547259" cy="1012862"/>
           </a:xfrm>
           <a:custGeom>
@@ -7151,7 +7151,7 @@
         </p:nvSpPr>
         <p:spPr>
           <a:xfrm>
-            <a:off x="7936637" y="4181709"/>
+            <a:off x="7857919" y="4117841"/>
             <a:ext cx="1894521" cy="907090"/>
           </a:xfrm>
           <a:prstGeom prst="rect">
@@ -7539,8 +7539,8 @@
         </p:nvSpPr>
         <p:spPr>
           <a:xfrm>
-            <a:off x="562989" y="2941033"/>
-            <a:ext cx="10924713" cy="2589755"/>
+            <a:off x="562989" y="2648070"/>
+            <a:ext cx="10924713" cy="2918229"/>
           </a:xfrm>
           <a:prstGeom prst="rect">
             <a:avLst/>
@@ -7757,6 +7757,22 @@
                 <a:cs typeface="Arial" panose="020B0604020202020204" pitchFamily="34" charset="0"/>
               </a:rPr>
               <a:t>и привести в любое желаемое состояние.</a:t>
+            </a:r>
+          </a:p>
+          <a:p>
+            <a:pPr marL="0" indent="0" algn="just">
+              <a:buFont typeface="Arial" panose="020B0604020202020204" pitchFamily="34" charset="0"/>
+              <a:buNone/>
+            </a:pPr>
+            <a:r>
+              <a:rPr lang="ru-RU" sz="3200" dirty="0">
+                <a:solidFill>
+                  <a:srgbClr val="000000"/>
+                </a:solidFill>
+                <a:latin typeface="Arial" panose="020B0604020202020204" pitchFamily="34" charset="0"/>
+                <a:cs typeface="Arial" panose="020B0604020202020204" pitchFamily="34" charset="0"/>
+              </a:rPr>
+              <a:t>	Этот макет можно при желании привести в любое желаемое состояние.</a:t>
             </a:r>
             <a:endParaRPr lang="ru-RU" dirty="0">
               <a:solidFill>
@@ -8053,7 +8069,7 @@
                 <a:latin typeface="Arial" panose="020B0604020202020204" pitchFamily="34" charset="0"/>
                 <a:cs typeface="Arial" panose="020B0604020202020204" pitchFamily="34" charset="0"/>
               </a:rPr>
-              <a:t>Сегодня крайне важно сократить время доставки грузов. Также, крайне важно соблюдать все нормы при погрузке, чтобы груз полностью сохранил своё исходное состояние.</a:t>
+              <a:t>Сегодня крайне важно сократить время доставки грузов. Также, необходимо соблюдать все нормы при погрузке, чтобы груз полностью сохранил своё исходное состояние при его отправке.</a:t>
             </a:r>
           </a:p>
           <a:p>
@@ -8069,7 +8085,7 @@
                 <a:latin typeface="Arial" panose="020B0604020202020204" pitchFamily="34" charset="0"/>
                 <a:cs typeface="Arial" panose="020B0604020202020204" pitchFamily="34" charset="0"/>
               </a:rPr>
-              <a:t>	В наше время появилось множество вариантов ускорения доставки и наша программа может стать одним из них. Но пока что она находится на начальном этапе и требует больших усилий для её развития.</a:t>
+              <a:t>	В наше время появилось множество вариантов ускорения доставки, и наша программа может стать одним из них. Но пока что она находится на начальном этапе и требует больших усилий для её развития.</a:t>
             </a:r>
             <a:endParaRPr lang="ru-RU" dirty="0">
               <a:solidFill>
